--- a/static/docs/ml1.pptx
+++ b/static/docs/ml1.pptx
@@ -178,10 +178,25 @@
   <pc:docChgLst>
     <pc:chgData name="Lwin Moe" userId="aa63d423-27f4-4437-9471-19c5c3fbd463" providerId="ADAL" clId="{461E2A39-B0DE-457F-9C6B-8C303A24507A}"/>
     <pc:docChg chg="undo custSel addSld delSld modSld">
-      <pc:chgData name="Lwin Moe" userId="aa63d423-27f4-4437-9471-19c5c3fbd463" providerId="ADAL" clId="{461E2A39-B0DE-457F-9C6B-8C303A24507A}" dt="2023-10-03T01:00:30.659" v="175" actId="113"/>
+      <pc:chgData name="Lwin Moe" userId="aa63d423-27f4-4437-9471-19c5c3fbd463" providerId="ADAL" clId="{461E2A39-B0DE-457F-9C6B-8C303A24507A}" dt="2023-10-03T18:02:44.241" v="282" actId="20577"/>
       <pc:docMkLst>
         <pc:docMk/>
       </pc:docMkLst>
+      <pc:sldChg chg="modSp mod">
+        <pc:chgData name="Lwin Moe" userId="aa63d423-27f4-4437-9471-19c5c3fbd463" providerId="ADAL" clId="{461E2A39-B0DE-457F-9C6B-8C303A24507A}" dt="2023-10-03T18:02:44.241" v="282" actId="20577"/>
+        <pc:sldMkLst>
+          <pc:docMk/>
+          <pc:sldMk cId="2786802995" sldId="261"/>
+        </pc:sldMkLst>
+        <pc:spChg chg="mod">
+          <ac:chgData name="Lwin Moe" userId="aa63d423-27f4-4437-9471-19c5c3fbd463" providerId="ADAL" clId="{461E2A39-B0DE-457F-9C6B-8C303A24507A}" dt="2023-10-03T18:02:44.241" v="282" actId="20577"/>
+          <ac:spMkLst>
+            <pc:docMk/>
+            <pc:sldMk cId="2786802995" sldId="261"/>
+            <ac:spMk id="3" creationId="{3A52644F-6C24-36D5-C806-63F31AB00D38}"/>
+          </ac:spMkLst>
+        </pc:spChg>
+      </pc:sldChg>
       <pc:sldChg chg="del">
         <pc:chgData name="Lwin Moe" userId="aa63d423-27f4-4437-9471-19c5c3fbd463" providerId="ADAL" clId="{461E2A39-B0DE-457F-9C6B-8C303A24507A}" dt="2023-09-30T15:31:31.100" v="144" actId="2696"/>
         <pc:sldMkLst>
@@ -7770,7 +7785,7 @@
           <a:p>
             <a:fld id="{5A0E2705-4B27-4A18-BF57-8FE8DBD37349}" type="datetimeFigureOut">
               <a:rPr lang="en-US" smtClean="0"/>
-              <a:t>10/2/2023</a:t>
+              <a:t>10/3/2023</a:t>
             </a:fld>
             <a:endParaRPr lang="en-US"/>
           </a:p>
@@ -7968,7 +7983,7 @@
           <a:p>
             <a:fld id="{5A0E2705-4B27-4A18-BF57-8FE8DBD37349}" type="datetimeFigureOut">
               <a:rPr lang="en-US" smtClean="0"/>
-              <a:t>10/2/2023</a:t>
+              <a:t>10/3/2023</a:t>
             </a:fld>
             <a:endParaRPr lang="en-US"/>
           </a:p>
@@ -8176,7 +8191,7 @@
           <a:p>
             <a:fld id="{5A0E2705-4B27-4A18-BF57-8FE8DBD37349}" type="datetimeFigureOut">
               <a:rPr lang="en-US" smtClean="0"/>
-              <a:t>10/2/2023</a:t>
+              <a:t>10/3/2023</a:t>
             </a:fld>
             <a:endParaRPr lang="en-US"/>
           </a:p>
@@ -8374,7 +8389,7 @@
           <a:p>
             <a:fld id="{5A0E2705-4B27-4A18-BF57-8FE8DBD37349}" type="datetimeFigureOut">
               <a:rPr lang="en-US" smtClean="0"/>
-              <a:t>10/2/2023</a:t>
+              <a:t>10/3/2023</a:t>
             </a:fld>
             <a:endParaRPr lang="en-US"/>
           </a:p>
@@ -8649,7 +8664,7 @@
           <a:p>
             <a:fld id="{5A0E2705-4B27-4A18-BF57-8FE8DBD37349}" type="datetimeFigureOut">
               <a:rPr lang="en-US" smtClean="0"/>
-              <a:t>10/2/2023</a:t>
+              <a:t>10/3/2023</a:t>
             </a:fld>
             <a:endParaRPr lang="en-US"/>
           </a:p>
@@ -8914,7 +8929,7 @@
           <a:p>
             <a:fld id="{5A0E2705-4B27-4A18-BF57-8FE8DBD37349}" type="datetimeFigureOut">
               <a:rPr lang="en-US" smtClean="0"/>
-              <a:t>10/2/2023</a:t>
+              <a:t>10/3/2023</a:t>
             </a:fld>
             <a:endParaRPr lang="en-US"/>
           </a:p>
@@ -9326,7 +9341,7 @@
           <a:p>
             <a:fld id="{5A0E2705-4B27-4A18-BF57-8FE8DBD37349}" type="datetimeFigureOut">
               <a:rPr lang="en-US" smtClean="0"/>
-              <a:t>10/2/2023</a:t>
+              <a:t>10/3/2023</a:t>
             </a:fld>
             <a:endParaRPr lang="en-US"/>
           </a:p>
@@ -9467,7 +9482,7 @@
           <a:p>
             <a:fld id="{5A0E2705-4B27-4A18-BF57-8FE8DBD37349}" type="datetimeFigureOut">
               <a:rPr lang="en-US" smtClean="0"/>
-              <a:t>10/2/2023</a:t>
+              <a:t>10/3/2023</a:t>
             </a:fld>
             <a:endParaRPr lang="en-US"/>
           </a:p>
@@ -9580,7 +9595,7 @@
           <a:p>
             <a:fld id="{5A0E2705-4B27-4A18-BF57-8FE8DBD37349}" type="datetimeFigureOut">
               <a:rPr lang="en-US" smtClean="0"/>
-              <a:t>10/2/2023</a:t>
+              <a:t>10/3/2023</a:t>
             </a:fld>
             <a:endParaRPr lang="en-US"/>
           </a:p>
@@ -9891,7 +9906,7 @@
           <a:p>
             <a:fld id="{5A0E2705-4B27-4A18-BF57-8FE8DBD37349}" type="datetimeFigureOut">
               <a:rPr lang="en-US" smtClean="0"/>
-              <a:t>10/2/2023</a:t>
+              <a:t>10/3/2023</a:t>
             </a:fld>
             <a:endParaRPr lang="en-US"/>
           </a:p>
@@ -10179,7 +10194,7 @@
           <a:p>
             <a:fld id="{5A0E2705-4B27-4A18-BF57-8FE8DBD37349}" type="datetimeFigureOut">
               <a:rPr lang="en-US" smtClean="0"/>
-              <a:t>10/2/2023</a:t>
+              <a:t>10/3/2023</a:t>
             </a:fld>
             <a:endParaRPr lang="en-US"/>
           </a:p>
@@ -10420,7 +10435,7 @@
           <a:p>
             <a:fld id="{5A0E2705-4B27-4A18-BF57-8FE8DBD37349}" type="datetimeFigureOut">
               <a:rPr lang="en-US" smtClean="0"/>
-              <a:t>10/2/2023</a:t>
+              <a:t>10/3/2023</a:t>
             </a:fld>
             <a:endParaRPr lang="en-US"/>
           </a:p>
@@ -18969,7 +18984,9 @@
         </p:nvSpPr>
         <p:spPr/>
         <p:txBody>
-          <a:bodyPr/>
+          <a:bodyPr>
+            <a:normAutofit lnSpcReduction="10000"/>
+          </a:bodyPr>
           <a:lstStyle/>
           <a:p>
             <a:r>
@@ -18981,7 +18998,28 @@
             <a:pPr lvl="1"/>
             <a:r>
               <a:rPr lang="en-US" dirty="0"/>
+              <a:t>Batch gradient descent</a:t>
+            </a:r>
+          </a:p>
+          <a:p>
+            <a:pPr lvl="2"/>
+            <a:r>
+              <a:rPr lang="en-US" dirty="0"/>
+              <a:t>All training examples</a:t>
+            </a:r>
+          </a:p>
+          <a:p>
+            <a:pPr lvl="1"/>
+            <a:r>
+              <a:rPr lang="en-US" dirty="0"/>
               <a:t>Stochastic gradient descent</a:t>
+            </a:r>
+          </a:p>
+          <a:p>
+            <a:pPr lvl="2"/>
+            <a:r>
+              <a:rPr lang="en-US" dirty="0"/>
+              <a:t>Take one example at a time</a:t>
             </a:r>
           </a:p>
           <a:p>
@@ -18990,6 +19028,18 @@
               <a:rPr lang="en-US" dirty="0"/>
               <a:t>Mini-batch gradient descent</a:t>
             </a:r>
+          </a:p>
+          <a:p>
+            <a:pPr lvl="2"/>
+            <a:r>
+              <a:rPr lang="en-US" dirty="0"/>
+              <a:t>Mini batches of </a:t>
+            </a:r>
+            <a:r>
+              <a:rPr lang="en-US"/>
+              <a:t>fixed size</a:t>
+            </a:r>
+            <a:endParaRPr lang="en-US" dirty="0"/>
           </a:p>
           <a:p>
             <a:endParaRPr lang="en-US" dirty="0"/>
@@ -22451,21 +22501,12 @@
 </file>
 
 <file path=customXml/item1.xml><?xml version="1.0" encoding="utf-8"?>
-<?mso-contentType ?>
-<FormTemplates xmlns="http://schemas.microsoft.com/sharepoint/v3/contenttype/forms">
-  <Display>DocumentLibraryForm</Display>
-  <Edit>DocumentLibraryForm</Edit>
-  <New>DocumentLibraryForm</New>
-</FormTemplates>
-</file>
-
-<file path=customXml/item2.xml><?xml version="1.0" encoding="utf-8"?>
 <p:properties xmlns:p="http://schemas.microsoft.com/office/2006/metadata/properties" xmlns:xsi="http://www.w3.org/2001/XMLSchema-instance" xmlns:pc="http://schemas.microsoft.com/office/infopath/2007/PartnerControls">
   <documentManagement/>
 </p:properties>
 </file>
 
-<file path=customXml/item3.xml><?xml version="1.0" encoding="utf-8"?>
+<file path=customXml/item2.xml><?xml version="1.0" encoding="utf-8"?>
 <ct:contentTypeSchema xmlns:ct="http://schemas.microsoft.com/office/2006/metadata/contentType" xmlns:ma="http://schemas.microsoft.com/office/2006/metadata/properties/metaAttributes" ct:_="" ma:_="" ma:contentTypeName="Document" ma:contentTypeID="0x010100CC5ED37141D9714D8D3CAC8B46802CEB" ma:contentTypeVersion="9" ma:contentTypeDescription="Create a new document." ma:contentTypeScope="" ma:versionID="1823226f651ee43a22574c19e7e4afae">
   <xsd:schema xmlns:xsd="http://www.w3.org/2001/XMLSchema" xmlns:xs="http://www.w3.org/2001/XMLSchema" xmlns:p="http://schemas.microsoft.com/office/2006/metadata/properties" xmlns:ns2="8b08ac72-ae5d-42df-afd9-fd4e69ddc1c9" targetNamespace="http://schemas.microsoft.com/office/2006/metadata/properties" ma:root="true" ma:fieldsID="cc42f32948ac4ffce0f549b893693309" ns2:_="">
     <xsd:import namespace="8b08ac72-ae5d-42df-afd9-fd4e69ddc1c9"/>
@@ -22643,15 +22684,16 @@
 </ct:contentTypeSchema>
 </file>
 
-<file path=customXml/itemProps1.xml><?xml version="1.0" encoding="utf-8"?>
-<ds:datastoreItem xmlns:ds="http://schemas.openxmlformats.org/officeDocument/2006/customXml" ds:itemID="{0876085F-8D01-4EFD-B2F4-AB269F1ECCDA}">
-  <ds:schemaRefs>
-    <ds:schemaRef ds:uri="http://schemas.microsoft.com/sharepoint/v3/contenttype/forms"/>
-  </ds:schemaRefs>
-</ds:datastoreItem>
+<file path=customXml/item3.xml><?xml version="1.0" encoding="utf-8"?>
+<?mso-contentType ?>
+<FormTemplates xmlns="http://schemas.microsoft.com/sharepoint/v3/contenttype/forms">
+  <Display>DocumentLibraryForm</Display>
+  <Edit>DocumentLibraryForm</Edit>
+  <New>DocumentLibraryForm</New>
+</FormTemplates>
 </file>
 
-<file path=customXml/itemProps2.xml><?xml version="1.0" encoding="utf-8"?>
+<file path=customXml/itemProps1.xml><?xml version="1.0" encoding="utf-8"?>
 <ds:datastoreItem xmlns:ds="http://schemas.openxmlformats.org/officeDocument/2006/customXml" ds:itemID="{9D5DB865-10A3-4D9C-B6B2-8CC8C6FA5CE8}">
   <ds:schemaRefs>
     <ds:schemaRef ds:uri="http://www.w3.org/XML/1998/namespace"/>
@@ -22667,7 +22709,7 @@
 </ds:datastoreItem>
 </file>
 
-<file path=customXml/itemProps3.xml><?xml version="1.0" encoding="utf-8"?>
+<file path=customXml/itemProps2.xml><?xml version="1.0" encoding="utf-8"?>
 <ds:datastoreItem xmlns:ds="http://schemas.openxmlformats.org/officeDocument/2006/customXml" ds:itemID="{C88A8952-F0E2-4C35-92DC-E6A31915AEB4}">
   <ds:schemaRefs>
     <ds:schemaRef ds:uri="8b08ac72-ae5d-42df-afd9-fd4e69ddc1c9"/>
@@ -22683,4 +22725,12 @@
     <ds:schemaRef ds:uri="http://www.w3.org/2001/XMLSchema"/>
   </ds:schemaRefs>
 </ds:datastoreItem>
+</file>
+
+<file path=customXml/itemProps3.xml><?xml version="1.0" encoding="utf-8"?>
+<ds:datastoreItem xmlns:ds="http://schemas.openxmlformats.org/officeDocument/2006/customXml" ds:itemID="{0876085F-8D01-4EFD-B2F4-AB269F1ECCDA}">
+  <ds:schemaRefs>
+    <ds:schemaRef ds:uri="http://schemas.microsoft.com/sharepoint/v3/contenttype/forms"/>
+  </ds:schemaRefs>
+</ds:datastoreItem>
 </file>